--- a/courses/theory/slides/lec18-concolic.pptx
+++ b/courses/theory/slides/lec18-concolic.pptx
@@ -5,7 +5,7 @@
     <p:sldMasterId id="2147483649" r:id="rId1"/>
   </p:sldMasterIdLst>
   <p:handoutMasterIdLst>
-    <p:handoutMasterId r:id="rId28"/>
+    <p:handoutMasterId r:id="rId30"/>
   </p:handoutMasterIdLst>
   <p:sldIdLst>
     <p:sldId id="256" r:id="rId2"/>
@@ -33,7 +33,9 @@
     <p:sldId id="488" r:id="rId24"/>
     <p:sldId id="489" r:id="rId25"/>
     <p:sldId id="498" r:id="rId26"/>
-    <p:sldId id="424" r:id="rId27"/>
+    <p:sldId id="504" r:id="rId27"/>
+    <p:sldId id="505" r:id="rId28"/>
+    <p:sldId id="424" r:id="rId29"/>
   </p:sldIdLst>
   <p:sldSz cx="9144000" cy="6858000" type="screen4x3"/>
   <p:notesSz cx="7099300" cy="10234613"/>
@@ -29675,6 +29677,287 @@
   <p:cSld>
     <p:spTree>
       <p:nvGrpSpPr>
+        <p:cNvPr id="1" name="">
+          <a:extLst>
+            <a:ext uri="{FF2B5EF4-FFF2-40B4-BE49-F238E27FC236}">
+              <a16:creationId xmlns:a16="http://schemas.microsoft.com/office/drawing/2014/main" id="{C9AE43C3-9368-E4B7-7C0C-AED1B3AAF49A}"/>
+            </a:ext>
+          </a:extLst>
+        </p:cNvPr>
+        <p:cNvGrpSpPr/>
+        <p:nvPr/>
+      </p:nvGrpSpPr>
+      <p:grpSpPr>
+        <a:xfrm>
+          <a:off x="0" y="0"/>
+          <a:ext cx="0" cy="0"/>
+          <a:chOff x="0" y="0"/>
+          <a:chExt cx="0" cy="0"/>
+        </a:xfrm>
+      </p:grpSpPr>
+      <p:sp>
+        <p:nvSpPr>
+          <p:cNvPr id="2" name="标题 1">
+            <a:extLst>
+              <a:ext uri="{FF2B5EF4-FFF2-40B4-BE49-F238E27FC236}">
+                <a16:creationId xmlns:a16="http://schemas.microsoft.com/office/drawing/2014/main" id="{8E3CEDB2-7DE8-6F44-257F-F250A121AF89}"/>
+              </a:ext>
+            </a:extLst>
+          </p:cNvPr>
+          <p:cNvSpPr>
+            <a:spLocks noGrp="1"/>
+          </p:cNvSpPr>
+          <p:nvPr>
+            <p:ph type="title"/>
+          </p:nvPr>
+        </p:nvSpPr>
+        <p:spPr/>
+        <p:txBody>
+          <a:bodyPr/>
+          <a:lstStyle/>
+          <a:p>
+            <a:r>
+              <a:rPr kumimoji="1" lang="zh-CN" altLang="en-US" dirty="0"/>
+              <a:t> </a:t>
+            </a:r>
+          </a:p>
+        </p:txBody>
+      </p:sp>
+      <p:sp>
+        <p:nvSpPr>
+          <p:cNvPr id="3" name="内容占位符 2">
+            <a:extLst>
+              <a:ext uri="{FF2B5EF4-FFF2-40B4-BE49-F238E27FC236}">
+                <a16:creationId xmlns:a16="http://schemas.microsoft.com/office/drawing/2014/main" id="{80970232-D558-B2B4-ABED-1447F8392428}"/>
+              </a:ext>
+            </a:extLst>
+          </p:cNvPr>
+          <p:cNvSpPr>
+            <a:spLocks noGrp="1"/>
+          </p:cNvSpPr>
+          <p:nvPr>
+            <p:ph idx="1"/>
+          </p:nvPr>
+        </p:nvSpPr>
+        <p:spPr/>
+        <p:txBody>
+          <a:bodyPr/>
+          <a:lstStyle/>
+          <a:p>
+            <a:pPr marL="0" indent="0">
+              <a:buNone/>
+            </a:pPr>
+            <a:endParaRPr kumimoji="1" lang="en-US" altLang="zh-CN" dirty="0"/>
+          </a:p>
+          <a:p>
+            <a:pPr marL="0" indent="0">
+              <a:buNone/>
+            </a:pPr>
+            <a:endParaRPr kumimoji="1" lang="en-US" altLang="zh-CN" dirty="0"/>
+          </a:p>
+          <a:p>
+            <a:pPr marL="0" indent="0" algn="ctr">
+              <a:buNone/>
+            </a:pPr>
+            <a:r>
+              <a:rPr kumimoji="1" lang="en-US" altLang="zh-CN" i="1" dirty="0"/>
+              <a:t>Practical</a:t>
+            </a:r>
+            <a:r>
+              <a:rPr kumimoji="1" lang="zh-CN" altLang="en-US" i="1" dirty="0"/>
+              <a:t> </a:t>
+            </a:r>
+            <a:r>
+              <a:rPr kumimoji="1" lang="en-US" altLang="zh-CN" i="1" dirty="0"/>
+              <a:t>Concolic</a:t>
+            </a:r>
+            <a:r>
+              <a:rPr kumimoji="1" lang="zh-CN" altLang="en-US" i="1" dirty="0"/>
+              <a:t> </a:t>
+            </a:r>
+            <a:r>
+              <a:rPr kumimoji="1" lang="en-US" altLang="zh-CN" i="1" dirty="0"/>
+              <a:t>Execution</a:t>
+            </a:r>
+            <a:endParaRPr kumimoji="1" lang="zh-CN" altLang="en-US" i="1" dirty="0"/>
+          </a:p>
+        </p:txBody>
+      </p:sp>
+    </p:spTree>
+    <p:extLst>
+      <p:ext uri="{BB962C8B-B14F-4D97-AF65-F5344CB8AC3E}">
+        <p14:creationId xmlns:p14="http://schemas.microsoft.com/office/powerpoint/2010/main" val="1873717906"/>
+      </p:ext>
+    </p:extLst>
+  </p:cSld>
+  <p:clrMapOvr>
+    <a:masterClrMapping/>
+  </p:clrMapOvr>
+</p:sld>
+</file>
+
+<file path=ppt/slides/slide27.xml><?xml version="1.0" encoding="utf-8"?>
+<p:sld xmlns:a="http://schemas.openxmlformats.org/drawingml/2006/main" xmlns:r="http://schemas.openxmlformats.org/officeDocument/2006/relationships" xmlns:p="http://schemas.openxmlformats.org/presentationml/2006/main">
+  <p:cSld>
+    <p:spTree>
+      <p:nvGrpSpPr>
+        <p:cNvPr id="1" name="">
+          <a:extLst>
+            <a:ext uri="{FF2B5EF4-FFF2-40B4-BE49-F238E27FC236}">
+              <a16:creationId xmlns:a16="http://schemas.microsoft.com/office/drawing/2014/main" id="{CF6C7A51-41C4-D9D0-9834-67F4912AF7E1}"/>
+            </a:ext>
+          </a:extLst>
+        </p:cNvPr>
+        <p:cNvGrpSpPr/>
+        <p:nvPr/>
+      </p:nvGrpSpPr>
+      <p:grpSpPr>
+        <a:xfrm>
+          <a:off x="0" y="0"/>
+          <a:ext cx="0" cy="0"/>
+          <a:chOff x="0" y="0"/>
+          <a:chExt cx="0" cy="0"/>
+        </a:xfrm>
+      </p:grpSpPr>
+      <p:sp>
+        <p:nvSpPr>
+          <p:cNvPr id="2" name="标题 1">
+            <a:extLst>
+              <a:ext uri="{FF2B5EF4-FFF2-40B4-BE49-F238E27FC236}">
+                <a16:creationId xmlns:a16="http://schemas.microsoft.com/office/drawing/2014/main" id="{20FACA77-E612-B41E-1FB6-588F871CBD8B}"/>
+              </a:ext>
+            </a:extLst>
+          </p:cNvPr>
+          <p:cNvSpPr>
+            <a:spLocks noGrp="1"/>
+          </p:cNvSpPr>
+          <p:nvPr>
+            <p:ph type="title"/>
+          </p:nvPr>
+        </p:nvSpPr>
+        <p:spPr/>
+        <p:txBody>
+          <a:bodyPr/>
+          <a:lstStyle/>
+          <a:p>
+            <a:r>
+              <a:rPr kumimoji="1" lang="en-US" altLang="zh-CN" dirty="0"/>
+              <a:t>Demos</a:t>
+            </a:r>
+            <a:endParaRPr kumimoji="1" lang="zh-CN" altLang="en-US" dirty="0"/>
+          </a:p>
+        </p:txBody>
+      </p:sp>
+      <p:sp>
+        <p:nvSpPr>
+          <p:cNvPr id="3" name="内容占位符 2">
+            <a:extLst>
+              <a:ext uri="{FF2B5EF4-FFF2-40B4-BE49-F238E27FC236}">
+                <a16:creationId xmlns:a16="http://schemas.microsoft.com/office/drawing/2014/main" id="{1FFB3F01-7DA2-F794-BD88-E85EAF2A6525}"/>
+              </a:ext>
+            </a:extLst>
+          </p:cNvPr>
+          <p:cNvSpPr>
+            <a:spLocks noGrp="1"/>
+          </p:cNvSpPr>
+          <p:nvPr>
+            <p:ph idx="1"/>
+          </p:nvPr>
+        </p:nvSpPr>
+        <p:spPr/>
+        <p:txBody>
+          <a:bodyPr/>
+          <a:lstStyle/>
+          <a:p>
+            <a:r>
+              <a:rPr kumimoji="1" lang="en-US" altLang="zh-CN" dirty="0"/>
+              <a:t>See</a:t>
+            </a:r>
+            <a:r>
+              <a:rPr kumimoji="1" lang="zh-CN" altLang="en-US" dirty="0"/>
+              <a:t> </a:t>
+            </a:r>
+            <a:r>
+              <a:rPr kumimoji="1" lang="en-US" altLang="zh-CN" dirty="0"/>
+              <a:t>the</a:t>
+            </a:r>
+            <a:r>
+              <a:rPr kumimoji="1" lang="zh-CN" altLang="en-US" dirty="0"/>
+              <a:t> </a:t>
+            </a:r>
+            <a:r>
+              <a:rPr kumimoji="1" lang="en-US" altLang="zh-CN" dirty="0"/>
+              <a:t>demo</a:t>
+            </a:r>
+            <a:r>
+              <a:rPr kumimoji="1" lang="zh-CN" altLang="en-US" dirty="0"/>
+              <a:t> </a:t>
+            </a:r>
+            <a:r>
+              <a:rPr kumimoji="1" lang="en-US" altLang="zh-CN" dirty="0"/>
+              <a:t>for</a:t>
+            </a:r>
+            <a:r>
+              <a:rPr kumimoji="1" lang="zh-CN" altLang="en-US" dirty="0"/>
+              <a:t> </a:t>
+            </a:r>
+            <a:r>
+              <a:rPr kumimoji="1" lang="en-US" altLang="zh-CN" dirty="0" err="1"/>
+              <a:t>PathCrawler</a:t>
+            </a:r>
+            <a:r>
+              <a:rPr kumimoji="1" lang="en-US" altLang="zh-CN" dirty="0"/>
+              <a:t> (for C):</a:t>
+            </a:r>
+          </a:p>
+          <a:p>
+            <a:pPr lvl="1"/>
+            <a:r>
+              <a:rPr kumimoji="1" lang="en" altLang="zh-CN" dirty="0">
+                <a:hlinkClick r:id="rId2"/>
+              </a:rPr>
+              <a:t>http://pathcrawler-online.com:8080/doWelcome</a:t>
+            </a:r>
+            <a:endParaRPr kumimoji="1" lang="en" altLang="zh-CN" dirty="0"/>
+          </a:p>
+          <a:p>
+            <a:r>
+              <a:rPr kumimoji="1" lang="en-US" altLang="zh-CN" dirty="0"/>
+              <a:t>And those for </a:t>
+            </a:r>
+            <a:r>
+              <a:rPr kumimoji="1" lang="en-US" altLang="zh-CN" dirty="0" err="1"/>
+              <a:t>PathFinder</a:t>
+            </a:r>
+            <a:r>
+              <a:rPr kumimoji="1" lang="en-US" altLang="zh-CN"/>
+              <a:t> (for Java):</a:t>
+            </a:r>
+          </a:p>
+          <a:p>
+            <a:pPr lvl="1"/>
+            <a:endParaRPr kumimoji="1" lang="zh-CN" altLang="en-US" dirty="0"/>
+          </a:p>
+        </p:txBody>
+      </p:sp>
+    </p:spTree>
+    <p:extLst>
+      <p:ext uri="{BB962C8B-B14F-4D97-AF65-F5344CB8AC3E}">
+        <p14:creationId xmlns:p14="http://schemas.microsoft.com/office/powerpoint/2010/main" val="2310617233"/>
+      </p:ext>
+    </p:extLst>
+  </p:cSld>
+  <p:clrMapOvr>
+    <a:masterClrMapping/>
+  </p:clrMapOvr>
+</p:sld>
+</file>
+
+<file path=ppt/slides/slide28.xml><?xml version="1.0" encoding="utf-8"?>
+<p:sld xmlns:a="http://schemas.openxmlformats.org/drawingml/2006/main" xmlns:r="http://schemas.openxmlformats.org/officeDocument/2006/relationships" xmlns:p="http://schemas.openxmlformats.org/presentationml/2006/main">
+  <p:cSld>
+    <p:spTree>
+      <p:nvGrpSpPr>
         <p:cNvPr id="1" name=""/>
         <p:cNvGrpSpPr/>
         <p:nvPr/>

--- a/courses/theory/slides/lec18-concolic.pptx
+++ b/courses/theory/slides/lec18-concolic.pptx
@@ -29930,13 +29930,25 @@
               <a:t>PathFinder</a:t>
             </a:r>
             <a:r>
-              <a:rPr kumimoji="1" lang="en-US" altLang="zh-CN"/>
+              <a:rPr kumimoji="1" lang="en-US" altLang="zh-CN" dirty="0"/>
               <a:t> (for Java):</a:t>
             </a:r>
           </a:p>
           <a:p>
             <a:pPr lvl="1"/>
-            <a:endParaRPr kumimoji="1" lang="zh-CN" altLang="en-US" dirty="0"/>
+            <a:r>
+              <a:rPr kumimoji="1" lang="en" altLang="zh-CN" dirty="0">
+                <a:hlinkClick r:id="rId3"/>
+              </a:rPr>
+              <a:t>https://github.com/</a:t>
+            </a:r>
+            <a:r>
+              <a:rPr kumimoji="1" lang="en" altLang="zh-CN">
+                <a:hlinkClick r:id="rId3"/>
+              </a:rPr>
+              <a:t>javapathfinder</a:t>
+            </a:r>
+            <a:endParaRPr kumimoji="1" lang="en" altLang="zh-CN"/>
           </a:p>
         </p:txBody>
       </p:sp>
